--- a/Presentation/tools-windows.pptx
+++ b/Presentation/tools-windows.pptx
@@ -108,6 +108,22 @@
       </a:defRPr>
     </a:lvl9pPr>
   </p:defaultTextStyle>
+  <p:extLst>
+    <p:ext uri="{EFAFB233-063F-42B5-8137-9DF3F51BA10A}">
+      <p15:sldGuideLst xmlns:p15="http://schemas.microsoft.com/office/powerpoint/2012/main">
+        <p15:guide id="1" orient="horz" pos="2160">
+          <p15:clr>
+            <a:srgbClr val="A4A3A4"/>
+          </p15:clr>
+        </p15:guide>
+        <p15:guide id="2" pos="2880">
+          <p15:clr>
+            <a:srgbClr val="A4A3A4"/>
+          </p15:clr>
+        </p15:guide>
+      </p15:sldGuideLst>
+    </p:ext>
+  </p:extLst>
 </p:presentation>
 </file>
 
@@ -193,7 +209,7 @@
           <a:p>
             <a:fld id="{B24A7054-7FFB-49F4-A126-5DF6E687FF53}" type="datetimeFigureOut">
               <a:rPr lang="ru-RU" smtClean="0"/>
-              <a:t>22.10.2013</a:t>
+              <a:t>01.07.2018</a:t>
             </a:fld>
             <a:endParaRPr lang="ru-RU"/>
           </a:p>
@@ -257,35 +273,35 @@
           <a:p>
             <a:pPr lvl="0"/>
             <a:r>
-              <a:rPr lang="en-US" smtClean="0"/>
+              <a:rPr lang="en-US"/>
               <a:t>Click to edit Master text styles</a:t>
             </a:r>
           </a:p>
           <a:p>
             <a:pPr lvl="1"/>
             <a:r>
-              <a:rPr lang="en-US" smtClean="0"/>
+              <a:rPr lang="en-US"/>
               <a:t>Second level</a:t>
             </a:r>
           </a:p>
           <a:p>
             <a:pPr lvl="2"/>
             <a:r>
-              <a:rPr lang="en-US" smtClean="0"/>
+              <a:rPr lang="en-US"/>
               <a:t>Third level</a:t>
             </a:r>
           </a:p>
           <a:p>
             <a:pPr lvl="3"/>
             <a:r>
-              <a:rPr lang="en-US" smtClean="0"/>
+              <a:rPr lang="en-US"/>
               <a:t>Fourth level</a:t>
             </a:r>
           </a:p>
           <a:p>
             <a:pPr lvl="4"/>
             <a:r>
-              <a:rPr lang="en-US" smtClean="0"/>
+              <a:rPr lang="en-US"/>
               <a:t>Fifth level</a:t>
             </a:r>
             <a:endParaRPr lang="ru-RU"/>
@@ -501,7 +517,7 @@
           <a:p>
             <a:pPr algn="ctr"/>
             <a:r>
-              <a:rPr lang="ru-RU" sz="3600" b="1" i="1" dirty="0" smtClean="0">
+              <a:rPr lang="ru-RU" sz="3600" b="1" i="1" dirty="0">
                 <a:solidFill>
                   <a:schemeClr val="bg1"/>
                 </a:solidFill>
@@ -509,7 +525,7 @@
               <a:t>Основы программирования на </a:t>
             </a:r>
             <a:r>
-              <a:rPr lang="en-US" sz="3600" b="1" i="1" dirty="0" smtClean="0">
+              <a:rPr lang="en-US" sz="3600" b="1" i="1" dirty="0">
                 <a:solidFill>
                   <a:schemeClr val="bg1"/>
                 </a:solidFill>
@@ -616,18 +632,10 @@
                   <a:schemeClr val="bg1"/>
                 </a:solidFill>
               </a:rPr>
-              <a:t>Занятие </a:t>
-            </a:r>
-            <a:r>
-              <a:rPr lang="ru-RU" sz="2400" dirty="0" smtClean="0">
-                <a:solidFill>
-                  <a:schemeClr val="bg1"/>
-                </a:solidFill>
-              </a:rPr>
-              <a:t>№</a:t>
-            </a:r>
-            <a:r>
-              <a:rPr lang="en-US" sz="2400" dirty="0" smtClean="0">
+              <a:t>Занятие №</a:t>
+            </a:r>
+            <a:r>
+              <a:rPr lang="en-US" sz="2400" dirty="0">
                 <a:solidFill>
                   <a:schemeClr val="bg1"/>
                 </a:solidFill>
@@ -635,7 +643,7 @@
               <a:t>?</a:t>
             </a:r>
             <a:r>
-              <a:rPr lang="ru-RU" sz="2400" dirty="0" smtClean="0">
+              <a:rPr lang="ru-RU" sz="2400" dirty="0">
                 <a:solidFill>
                   <a:schemeClr val="bg1"/>
                 </a:solidFill>
@@ -705,7 +713,7 @@
           </a:lstStyle>
           <a:p>
             <a:r>
-              <a:rPr lang="en-US" smtClean="0"/>
+              <a:rPr lang="en-US"/>
               <a:t>Click to edit Master title style</a:t>
             </a:r>
             <a:endParaRPr lang="ru-RU" dirty="0"/>
@@ -770,7 +778,7 @@
           </a:lstStyle>
           <a:p>
             <a:r>
-              <a:rPr lang="en-US" smtClean="0"/>
+              <a:rPr lang="en-US"/>
               <a:t>Click icon to add picture</a:t>
             </a:r>
             <a:endParaRPr lang="ru-RU"/>
@@ -836,7 +844,7 @@
           <a:p>
             <a:pPr lvl="0"/>
             <a:r>
-              <a:rPr lang="en-US" smtClean="0"/>
+              <a:rPr lang="en-US"/>
               <a:t>Click to edit Master text styles</a:t>
             </a:r>
           </a:p>
@@ -888,7 +896,7 @@
           <a:lstStyle/>
           <a:p>
             <a:r>
-              <a:rPr lang="en-US" smtClean="0"/>
+              <a:rPr lang="en-US"/>
               <a:t>Click to edit Master title style</a:t>
             </a:r>
             <a:endParaRPr lang="ru-RU" dirty="0"/>
@@ -912,35 +920,35 @@
           <a:p>
             <a:pPr lvl="0"/>
             <a:r>
-              <a:rPr lang="en-US" smtClean="0"/>
+              <a:rPr lang="en-US"/>
               <a:t>Click to edit Master text styles</a:t>
             </a:r>
           </a:p>
           <a:p>
             <a:pPr lvl="1"/>
             <a:r>
-              <a:rPr lang="en-US" smtClean="0"/>
+              <a:rPr lang="en-US"/>
               <a:t>Second level</a:t>
             </a:r>
           </a:p>
           <a:p>
             <a:pPr lvl="2"/>
             <a:r>
-              <a:rPr lang="en-US" smtClean="0"/>
+              <a:rPr lang="en-US"/>
               <a:t>Third level</a:t>
             </a:r>
           </a:p>
           <a:p>
             <a:pPr lvl="3"/>
             <a:r>
-              <a:rPr lang="en-US" smtClean="0"/>
+              <a:rPr lang="en-US"/>
               <a:t>Fourth level</a:t>
             </a:r>
           </a:p>
           <a:p>
             <a:pPr lvl="4"/>
             <a:r>
-              <a:rPr lang="en-US" smtClean="0"/>
+              <a:rPr lang="en-US"/>
               <a:t>Fifth level</a:t>
             </a:r>
             <a:endParaRPr lang="ru-RU" dirty="0"/>
@@ -998,7 +1006,7 @@
           <a:lstStyle/>
           <a:p>
             <a:r>
-              <a:rPr lang="en-US" smtClean="0"/>
+              <a:rPr lang="en-US"/>
               <a:t>Click to edit Master title style</a:t>
             </a:r>
             <a:endParaRPr lang="ru-RU" dirty="0"/>
@@ -1027,35 +1035,35 @@
           <a:p>
             <a:pPr lvl="0"/>
             <a:r>
-              <a:rPr lang="en-US" smtClean="0"/>
+              <a:rPr lang="en-US"/>
               <a:t>Click to edit Master text styles</a:t>
             </a:r>
           </a:p>
           <a:p>
             <a:pPr lvl="1"/>
             <a:r>
-              <a:rPr lang="en-US" smtClean="0"/>
+              <a:rPr lang="en-US"/>
               <a:t>Second level</a:t>
             </a:r>
           </a:p>
           <a:p>
             <a:pPr lvl="2"/>
             <a:r>
-              <a:rPr lang="en-US" smtClean="0"/>
+              <a:rPr lang="en-US"/>
               <a:t>Third level</a:t>
             </a:r>
           </a:p>
           <a:p>
             <a:pPr lvl="3"/>
             <a:r>
-              <a:rPr lang="en-US" smtClean="0"/>
+              <a:rPr lang="en-US"/>
               <a:t>Fourth level</a:t>
             </a:r>
           </a:p>
           <a:p>
             <a:pPr lvl="4"/>
             <a:r>
-              <a:rPr lang="en-US" smtClean="0"/>
+              <a:rPr lang="en-US"/>
               <a:t>Fifth level</a:t>
             </a:r>
             <a:endParaRPr lang="ru-RU" dirty="0"/>
@@ -1113,7 +1121,7 @@
           <a:lstStyle/>
           <a:p>
             <a:r>
-              <a:rPr lang="en-US" smtClean="0"/>
+              <a:rPr lang="en-US"/>
               <a:t>Click to edit Master title style</a:t>
             </a:r>
             <a:endParaRPr lang="ru-RU"/>
@@ -1232,7 +1240,7 @@
           </a:lstStyle>
           <a:p>
             <a:r>
-              <a:rPr lang="en-US" smtClean="0"/>
+              <a:rPr lang="en-US"/>
               <a:t>Click to edit Master subtitle style</a:t>
             </a:r>
             <a:endParaRPr lang="ru-RU"/>
@@ -1256,7 +1264,7 @@
           <a:p>
             <a:fld id="{8E6E6A2A-E9D3-4A0D-B04A-ABDD367A1E08}" type="datetimeFigureOut">
               <a:rPr lang="ru-RU" smtClean="0"/>
-              <a:t>22.10.2013</a:t>
+              <a:t>01.07.2018</a:t>
             </a:fld>
             <a:endParaRPr lang="ru-RU"/>
           </a:p>
@@ -1350,7 +1358,7 @@
           <a:lstStyle/>
           <a:p>
             <a:r>
-              <a:rPr lang="en-US" smtClean="0"/>
+              <a:rPr lang="en-US"/>
               <a:t>Click to edit Master title style</a:t>
             </a:r>
             <a:endParaRPr lang="ru-RU" dirty="0"/>
@@ -1374,35 +1382,35 @@
           <a:p>
             <a:pPr lvl="0"/>
             <a:r>
-              <a:rPr lang="en-US" smtClean="0"/>
+              <a:rPr lang="en-US"/>
               <a:t>Click to edit Master text styles</a:t>
             </a:r>
           </a:p>
           <a:p>
             <a:pPr lvl="1"/>
             <a:r>
-              <a:rPr lang="en-US" smtClean="0"/>
+              <a:rPr lang="en-US"/>
               <a:t>Second level</a:t>
             </a:r>
           </a:p>
           <a:p>
             <a:pPr lvl="2"/>
             <a:r>
-              <a:rPr lang="en-US" smtClean="0"/>
+              <a:rPr lang="en-US"/>
               <a:t>Third level</a:t>
             </a:r>
           </a:p>
           <a:p>
             <a:pPr lvl="3"/>
             <a:r>
-              <a:rPr lang="en-US" smtClean="0"/>
+              <a:rPr lang="en-US"/>
               <a:t>Fourth level</a:t>
             </a:r>
           </a:p>
           <a:p>
             <a:pPr lvl="4"/>
             <a:r>
-              <a:rPr lang="en-US" smtClean="0"/>
+              <a:rPr lang="en-US"/>
               <a:t>Fifth level</a:t>
             </a:r>
             <a:endParaRPr lang="ru-RU" dirty="0"/>
@@ -1464,7 +1472,7 @@
           </a:lstStyle>
           <a:p>
             <a:r>
-              <a:rPr lang="en-US" smtClean="0"/>
+              <a:rPr lang="en-US"/>
               <a:t>Click to edit Master title style</a:t>
             </a:r>
             <a:endParaRPr lang="ru-RU" dirty="0"/>
@@ -1584,7 +1592,7 @@
           <a:p>
             <a:pPr lvl="0"/>
             <a:r>
-              <a:rPr lang="en-US" smtClean="0"/>
+              <a:rPr lang="en-US"/>
               <a:t>Click to edit Master text styles</a:t>
             </a:r>
           </a:p>
@@ -1636,7 +1644,7 @@
           <a:lstStyle/>
           <a:p>
             <a:r>
-              <a:rPr lang="en-US" smtClean="0"/>
+              <a:rPr lang="en-US"/>
               <a:t>Click to edit Master title style</a:t>
             </a:r>
             <a:endParaRPr lang="ru-RU" dirty="0"/>
@@ -1693,35 +1701,35 @@
           <a:p>
             <a:pPr lvl="0"/>
             <a:r>
-              <a:rPr lang="en-US" smtClean="0"/>
+              <a:rPr lang="en-US"/>
               <a:t>Click to edit Master text styles</a:t>
             </a:r>
           </a:p>
           <a:p>
             <a:pPr lvl="1"/>
             <a:r>
-              <a:rPr lang="en-US" smtClean="0"/>
+              <a:rPr lang="en-US"/>
               <a:t>Second level</a:t>
             </a:r>
           </a:p>
           <a:p>
             <a:pPr lvl="2"/>
             <a:r>
-              <a:rPr lang="en-US" smtClean="0"/>
+              <a:rPr lang="en-US"/>
               <a:t>Third level</a:t>
             </a:r>
           </a:p>
           <a:p>
             <a:pPr lvl="3"/>
             <a:r>
-              <a:rPr lang="en-US" smtClean="0"/>
+              <a:rPr lang="en-US"/>
               <a:t>Fourth level</a:t>
             </a:r>
           </a:p>
           <a:p>
             <a:pPr lvl="4"/>
             <a:r>
-              <a:rPr lang="en-US" smtClean="0"/>
+              <a:rPr lang="en-US"/>
               <a:t>Fifth level</a:t>
             </a:r>
             <a:endParaRPr lang="ru-RU" dirty="0"/>
@@ -1778,35 +1786,35 @@
           <a:p>
             <a:pPr lvl="0"/>
             <a:r>
-              <a:rPr lang="en-US" smtClean="0"/>
+              <a:rPr lang="en-US"/>
               <a:t>Click to edit Master text styles</a:t>
             </a:r>
           </a:p>
           <a:p>
             <a:pPr lvl="1"/>
             <a:r>
-              <a:rPr lang="en-US" smtClean="0"/>
+              <a:rPr lang="en-US"/>
               <a:t>Second level</a:t>
             </a:r>
           </a:p>
           <a:p>
             <a:pPr lvl="2"/>
             <a:r>
-              <a:rPr lang="en-US" smtClean="0"/>
+              <a:rPr lang="en-US"/>
               <a:t>Third level</a:t>
             </a:r>
           </a:p>
           <a:p>
             <a:pPr lvl="3"/>
             <a:r>
-              <a:rPr lang="en-US" smtClean="0"/>
+              <a:rPr lang="en-US"/>
               <a:t>Fourth level</a:t>
             </a:r>
           </a:p>
           <a:p>
             <a:pPr lvl="4"/>
             <a:r>
-              <a:rPr lang="en-US" smtClean="0"/>
+              <a:rPr lang="en-US"/>
               <a:t>Fifth level</a:t>
             </a:r>
             <a:endParaRPr lang="ru-RU" dirty="0"/>
@@ -1863,7 +1871,7 @@
           </a:lstStyle>
           <a:p>
             <a:r>
-              <a:rPr lang="en-US" smtClean="0"/>
+              <a:rPr lang="en-US"/>
               <a:t>Click to edit Master title style</a:t>
             </a:r>
             <a:endParaRPr lang="ru-RU" dirty="0"/>
@@ -1929,7 +1937,7 @@
           <a:p>
             <a:pPr lvl="0"/>
             <a:r>
-              <a:rPr lang="en-US" smtClean="0"/>
+              <a:rPr lang="en-US"/>
               <a:t>Click to edit Master text styles</a:t>
             </a:r>
           </a:p>
@@ -1985,35 +1993,35 @@
           <a:p>
             <a:pPr lvl="0"/>
             <a:r>
-              <a:rPr lang="en-US" smtClean="0"/>
+              <a:rPr lang="en-US"/>
               <a:t>Click to edit Master text styles</a:t>
             </a:r>
           </a:p>
           <a:p>
             <a:pPr lvl="1"/>
             <a:r>
-              <a:rPr lang="en-US" smtClean="0"/>
+              <a:rPr lang="en-US"/>
               <a:t>Second level</a:t>
             </a:r>
           </a:p>
           <a:p>
             <a:pPr lvl="2"/>
             <a:r>
-              <a:rPr lang="en-US" smtClean="0"/>
+              <a:rPr lang="en-US"/>
               <a:t>Third level</a:t>
             </a:r>
           </a:p>
           <a:p>
             <a:pPr lvl="3"/>
             <a:r>
-              <a:rPr lang="en-US" smtClean="0"/>
+              <a:rPr lang="en-US"/>
               <a:t>Fourth level</a:t>
             </a:r>
           </a:p>
           <a:p>
             <a:pPr lvl="4"/>
             <a:r>
-              <a:rPr lang="en-US" smtClean="0"/>
+              <a:rPr lang="en-US"/>
               <a:t>Fifth level</a:t>
             </a:r>
             <a:endParaRPr lang="ru-RU" dirty="0"/>
@@ -2079,7 +2087,7 @@
           <a:p>
             <a:pPr lvl="0"/>
             <a:r>
-              <a:rPr lang="en-US" smtClean="0"/>
+              <a:rPr lang="en-US"/>
               <a:t>Click to edit Master text styles</a:t>
             </a:r>
           </a:p>
@@ -2135,35 +2143,35 @@
           <a:p>
             <a:pPr lvl="0"/>
             <a:r>
-              <a:rPr lang="en-US" smtClean="0"/>
+              <a:rPr lang="en-US"/>
               <a:t>Click to edit Master text styles</a:t>
             </a:r>
           </a:p>
           <a:p>
             <a:pPr lvl="1"/>
             <a:r>
-              <a:rPr lang="en-US" smtClean="0"/>
+              <a:rPr lang="en-US"/>
               <a:t>Second level</a:t>
             </a:r>
           </a:p>
           <a:p>
             <a:pPr lvl="2"/>
             <a:r>
-              <a:rPr lang="en-US" smtClean="0"/>
+              <a:rPr lang="en-US"/>
               <a:t>Third level</a:t>
             </a:r>
           </a:p>
           <a:p>
             <a:pPr lvl="3"/>
             <a:r>
-              <a:rPr lang="en-US" smtClean="0"/>
+              <a:rPr lang="en-US"/>
               <a:t>Fourth level</a:t>
             </a:r>
           </a:p>
           <a:p>
             <a:pPr lvl="4"/>
             <a:r>
-              <a:rPr lang="en-US" smtClean="0"/>
+              <a:rPr lang="en-US"/>
               <a:t>Fifth level</a:t>
             </a:r>
             <a:endParaRPr lang="ru-RU" dirty="0"/>
@@ -2216,7 +2224,7 @@
           <a:lstStyle/>
           <a:p>
             <a:r>
-              <a:rPr lang="en-US" smtClean="0"/>
+              <a:rPr lang="en-US"/>
               <a:t>Click to edit Master title style</a:t>
             </a:r>
             <a:endParaRPr lang="ru-RU" dirty="0"/>
@@ -2277,14 +2285,14 @@
           <a:p>
             <a:pPr algn="ctr"/>
             <a:r>
-              <a:rPr lang="ru-RU" sz="3200" dirty="0" smtClean="0"/>
+              <a:rPr lang="ru-RU" sz="3200" dirty="0"/>
               <a:t>Название.</a:t>
             </a:r>
             <a:r>
-              <a:rPr lang="ru-RU" sz="3200" baseline="0" dirty="0" smtClean="0"/>
+              <a:rPr lang="ru-RU" sz="3200" baseline="0" dirty="0"/>
               <a:t> Демонстрация.</a:t>
             </a:r>
-            <a:endParaRPr lang="ru-RU" sz="3200" dirty="0" smtClean="0"/>
+            <a:endParaRPr lang="ru-RU" sz="3200" dirty="0"/>
           </a:p>
         </p:txBody>
       </p:sp>
@@ -2373,7 +2381,7 @@
           </a:lstStyle>
           <a:p>
             <a:r>
-              <a:rPr lang="en-US" smtClean="0"/>
+              <a:rPr lang="en-US"/>
               <a:t>Click to edit Master title style</a:t>
             </a:r>
             <a:endParaRPr lang="ru-RU" dirty="0"/>
@@ -2430,35 +2438,35 @@
           <a:p>
             <a:pPr lvl="0"/>
             <a:r>
-              <a:rPr lang="en-US" smtClean="0"/>
+              <a:rPr lang="en-US"/>
               <a:t>Click to edit Master text styles</a:t>
             </a:r>
           </a:p>
           <a:p>
             <a:pPr lvl="1"/>
             <a:r>
-              <a:rPr lang="en-US" smtClean="0"/>
+              <a:rPr lang="en-US"/>
               <a:t>Second level</a:t>
             </a:r>
           </a:p>
           <a:p>
             <a:pPr lvl="2"/>
             <a:r>
-              <a:rPr lang="en-US" smtClean="0"/>
+              <a:rPr lang="en-US"/>
               <a:t>Third level</a:t>
             </a:r>
           </a:p>
           <a:p>
             <a:pPr lvl="3"/>
             <a:r>
-              <a:rPr lang="en-US" smtClean="0"/>
+              <a:rPr lang="en-US"/>
               <a:t>Fourth level</a:t>
             </a:r>
           </a:p>
           <a:p>
             <a:pPr lvl="4"/>
             <a:r>
-              <a:rPr lang="en-US" smtClean="0"/>
+              <a:rPr lang="en-US"/>
               <a:t>Fifth level</a:t>
             </a:r>
             <a:endParaRPr lang="ru-RU" dirty="0"/>
@@ -2524,7 +2532,7 @@
           <a:p>
             <a:pPr lvl="0"/>
             <a:r>
-              <a:rPr lang="en-US" smtClean="0"/>
+              <a:rPr lang="en-US"/>
               <a:t>Click to edit Master text styles</a:t>
             </a:r>
           </a:p>
@@ -2600,7 +2608,7 @@
           <a:lstStyle/>
           <a:p>
             <a:r>
-              <a:rPr lang="en-US" smtClean="0"/>
+              <a:rPr lang="en-US"/>
               <a:t>Click to edit Master title style</a:t>
             </a:r>
             <a:endParaRPr lang="ru-RU"/>
@@ -2634,35 +2642,35 @@
           <a:p>
             <a:pPr lvl="0"/>
             <a:r>
-              <a:rPr lang="en-US" smtClean="0"/>
+              <a:rPr lang="en-US"/>
               <a:t>Click to edit Master text styles</a:t>
             </a:r>
           </a:p>
           <a:p>
             <a:pPr lvl="1"/>
             <a:r>
-              <a:rPr lang="en-US" smtClean="0"/>
+              <a:rPr lang="en-US"/>
               <a:t>Second level</a:t>
             </a:r>
           </a:p>
           <a:p>
             <a:pPr lvl="2"/>
             <a:r>
-              <a:rPr lang="en-US" smtClean="0"/>
+              <a:rPr lang="en-US"/>
               <a:t>Third level</a:t>
             </a:r>
           </a:p>
           <a:p>
             <a:pPr lvl="3"/>
             <a:r>
-              <a:rPr lang="en-US" smtClean="0"/>
+              <a:rPr lang="en-US"/>
               <a:t>Fourth level</a:t>
             </a:r>
           </a:p>
           <a:p>
             <a:pPr lvl="4"/>
             <a:r>
-              <a:rPr lang="en-US" smtClean="0"/>
+              <a:rPr lang="en-US"/>
               <a:t>Fifth level</a:t>
             </a:r>
             <a:endParaRPr lang="ru-RU"/>
@@ -2704,7 +2712,7 @@
           <a:p>
             <a:fld id="{AC3D3127-B7C4-45E3-9797-C527EC9FDD78}" type="datetimeFigureOut">
               <a:rPr lang="ru-RU" smtClean="0"/>
-              <a:t>22.10.2013</a:t>
+              <a:t>01.07.2018</a:t>
             </a:fld>
             <a:endParaRPr lang="ru-RU"/>
           </a:p>
@@ -3090,7 +3098,7 @@
         <p:spPr>
           <a:xfrm>
             <a:off x="143508" y="1304764"/>
-            <a:ext cx="8856984" cy="646331"/>
+            <a:ext cx="8856984" cy="523220"/>
           </a:xfrm>
           <a:prstGeom prst="rect">
             <a:avLst/>
@@ -3104,7 +3112,7 @@
           <a:p>
             <a:pPr algn="ctr"/>
             <a:r>
-              <a:rPr lang="ru-RU" sz="3600" b="1" i="1" dirty="0" smtClean="0">
+              <a:rPr lang="ru-RU" sz="2800" i="1" dirty="0">
                 <a:solidFill>
                   <a:schemeClr val="bg1"/>
                 </a:solidFill>
@@ -3112,14 +3120,14 @@
               <a:t>Основы программирования на </a:t>
             </a:r>
             <a:r>
-              <a:rPr lang="en-US" sz="3600" b="1" i="1" dirty="0" smtClean="0">
+              <a:rPr lang="en-US" sz="2800" i="1" dirty="0">
                 <a:solidFill>
                   <a:schemeClr val="bg1"/>
                 </a:solidFill>
               </a:rPr>
               <a:t>C#</a:t>
             </a:r>
-            <a:endParaRPr lang="ru-RU" sz="3600" b="1" i="1" dirty="0">
+            <a:endParaRPr lang="ru-RU" sz="2800" i="1" dirty="0">
               <a:solidFill>
                 <a:schemeClr val="bg1"/>
               </a:solidFill>
@@ -3127,70 +3135,6 @@
           </a:p>
         </p:txBody>
       </p:sp>
-      <p:pic>
-        <p:nvPicPr>
-          <p:cNvPr id="6" name="Picture 5"/>
-          <p:cNvPicPr>
-            <a:picLocks noChangeAspect="1" noChangeArrowheads="1"/>
-          </p:cNvPicPr>
-          <p:nvPr/>
-        </p:nvPicPr>
-        <p:blipFill>
-          <a:blip r:embed="rId2">
-            <a:extLst>
-              <a:ext uri="{28A0092B-C50C-407E-A947-70E740481C1C}">
-                <a14:useLocalDpi xmlns:a14="http://schemas.microsoft.com/office/drawing/2010/main" val="0"/>
-              </a:ext>
-            </a:extLst>
-          </a:blip>
-          <a:srcRect/>
-          <a:stretch>
-            <a:fillRect/>
-          </a:stretch>
-        </p:blipFill>
-        <p:spPr bwMode="auto">
-          <a:xfrm>
-            <a:off x="1638300" y="3829211"/>
-            <a:ext cx="5867400" cy="1724025"/>
-          </a:xfrm>
-          <a:prstGeom prst="rect">
-            <a:avLst/>
-          </a:prstGeom>
-          <a:noFill/>
-          <a:ln>
-            <a:noFill/>
-          </a:ln>
-          <a:effectLst/>
-          <a:extLst>
-            <a:ext uri="{909E8E84-426E-40DD-AFC4-6F175D3DCCD1}">
-              <a14:hiddenFill xmlns:a14="http://schemas.microsoft.com/office/drawing/2010/main">
-                <a:solidFill>
-                  <a:schemeClr val="accent1"/>
-                </a:solidFill>
-              </a14:hiddenFill>
-            </a:ext>
-            <a:ext uri="{91240B29-F687-4F45-9708-019B960494DF}">
-              <a14:hiddenLine xmlns:a14="http://schemas.microsoft.com/office/drawing/2010/main" w="9525">
-                <a:solidFill>
-                  <a:schemeClr val="tx1"/>
-                </a:solidFill>
-                <a:miter lim="800000"/>
-                <a:headEnd/>
-                <a:tailEnd/>
-              </a14:hiddenLine>
-            </a:ext>
-            <a:ext uri="{AF507438-7753-43E0-B8FC-AC1667EBCBE1}">
-              <a14:hiddenEffects xmlns:a14="http://schemas.microsoft.com/office/drawing/2010/main">
-                <a:effectLst>
-                  <a:outerShdw dist="35921" dir="2700000" algn="ctr" rotWithShape="0">
-                    <a:schemeClr val="bg2"/>
-                  </a:outerShdw>
-                </a:effectLst>
-              </a14:hiddenEffects>
-            </a:ext>
-          </a:extLst>
-        </p:spPr>
-      </p:pic>
       <p:sp>
         <p:nvSpPr>
           <p:cNvPr id="7" name="TextBox 6"/>
@@ -3200,7 +3144,7 @@
         <p:spPr>
           <a:xfrm>
             <a:off x="143508" y="2528900"/>
-            <a:ext cx="8856984" cy="461665"/>
+            <a:ext cx="8856984" cy="1200329"/>
           </a:xfrm>
           <a:prstGeom prst="rect">
             <a:avLst/>
@@ -3215,25 +3159,136 @@
           <a:p>
             <a:pPr algn="ctr"/>
             <a:r>
-              <a:rPr lang="ru-RU" sz="2400" dirty="0" smtClean="0">
+              <a:rPr lang="ru-RU" sz="3600" b="1" dirty="0">
                 <a:solidFill>
                   <a:schemeClr val="bg1"/>
                 </a:solidFill>
+                <a:latin typeface="Footlight MT Light" panose="0204060206030A020304" pitchFamily="18" charset="77"/>
               </a:rPr>
-              <a:t>Операционная система </a:t>
-            </a:r>
-            <a:r>
-              <a:rPr lang="en-US" sz="2400" dirty="0" smtClean="0">
+              <a:t>§ Операционная система </a:t>
+            </a:r>
+            <a:r>
+              <a:rPr lang="en-US" sz="3600" b="1" dirty="0">
                 <a:solidFill>
                   <a:schemeClr val="bg1"/>
                 </a:solidFill>
+                <a:latin typeface="Footlight MT Light" panose="0204060206030A020304" pitchFamily="18" charset="77"/>
               </a:rPr>
               <a:t>Microsoft Windows</a:t>
             </a:r>
-            <a:endParaRPr lang="en-US" sz="2400" dirty="0">
+          </a:p>
+        </p:txBody>
+      </p:sp>
+      <p:sp>
+        <p:nvSpPr>
+          <p:cNvPr id="8" name="TextBox 7">
+            <a:extLst>
+              <a:ext uri="{FF2B5EF4-FFF2-40B4-BE49-F238E27FC236}">
+                <a16:creationId xmlns:a16="http://schemas.microsoft.com/office/drawing/2014/main" id="{34A6E01B-439A-6D4C-8848-6E7AC7BBF926}"/>
+              </a:ext>
+            </a:extLst>
+          </p:cNvPr>
+          <p:cNvSpPr txBox="1"/>
+          <p:nvPr/>
+        </p:nvSpPr>
+        <p:spPr>
+          <a:xfrm>
+            <a:off x="2339752" y="4984720"/>
+            <a:ext cx="4464496" cy="1138773"/>
+          </a:xfrm>
+          <a:prstGeom prst="rect">
+            <a:avLst/>
+          </a:prstGeom>
+          <a:noFill/>
+        </p:spPr>
+        <p:txBody>
+          <a:bodyPr wrap="square" rtlCol="0">
+            <a:spAutoFit/>
+          </a:bodyPr>
+          <a:lstStyle/>
+          <a:p>
+            <a:r>
+              <a:rPr lang="ru-RU" sz="2000" dirty="0">
+                <a:solidFill>
+                  <a:schemeClr val="bg1"/>
+                </a:solidFill>
+                <a:effectLst>
+                  <a:outerShdw blurRad="50800" dist="38100" dir="5400000" algn="t" rotWithShape="0">
+                    <a:prstClr val="black">
+                      <a:alpha val="40000"/>
+                    </a:prstClr>
+                  </a:outerShdw>
+                </a:effectLst>
+                <a:latin typeface="Segoe Print" panose="02000800000000000000" pitchFamily="2" charset="0"/>
+              </a:rPr>
+              <a:t>Центр Обучающих Технологий</a:t>
+            </a:r>
+          </a:p>
+          <a:p>
+            <a:pPr algn="ctr"/>
+            <a:r>
+              <a:rPr lang="ru-RU" sz="1600" dirty="0">
+                <a:solidFill>
+                  <a:schemeClr val="bg1"/>
+                </a:solidFill>
+                <a:effectLst>
+                  <a:outerShdw blurRad="50800" dist="38100" dir="5400000" algn="t" rotWithShape="0">
+                    <a:prstClr val="black">
+                      <a:alpha val="40000"/>
+                    </a:prstClr>
+                  </a:outerShdw>
+                </a:effectLst>
+                <a:latin typeface="Segoe Print" panose="02000800000000000000" pitchFamily="2" charset="0"/>
+              </a:rPr>
+              <a:t>основан в 2002 году</a:t>
+            </a:r>
+          </a:p>
+          <a:p>
+            <a:pPr algn="ctr"/>
+            <a:endParaRPr lang="ru-RU" sz="1600" dirty="0">
               <a:solidFill>
                 <a:schemeClr val="bg1"/>
               </a:solidFill>
+              <a:effectLst>
+                <a:outerShdw blurRad="50800" dist="38100" dir="5400000" algn="t" rotWithShape="0">
+                  <a:prstClr val="black">
+                    <a:alpha val="40000"/>
+                  </a:prstClr>
+                </a:outerShdw>
+              </a:effectLst>
+              <a:latin typeface="Segoe Print" panose="02000800000000000000" pitchFamily="2" charset="0"/>
+            </a:endParaRPr>
+          </a:p>
+          <a:p>
+            <a:pPr algn="ctr"/>
+            <a:r>
+              <a:rPr lang="en-US" sz="1600" dirty="0" err="1">
+                <a:solidFill>
+                  <a:schemeClr val="bg1"/>
+                </a:solidFill>
+                <a:effectLst>
+                  <a:outerShdw blurRad="50800" dist="38100" dir="5400000" algn="t" rotWithShape="0">
+                    <a:prstClr val="black">
+                      <a:alpha val="40000"/>
+                    </a:prstClr>
+                  </a:outerShdw>
+                </a:effectLst>
+                <a:latin typeface="Segoe Print" panose="02000800000000000000" pitchFamily="2" charset="0"/>
+              </a:rPr>
+              <a:t>trainingcenter.by</a:t>
+            </a:r>
+            <a:endParaRPr lang="en-US" sz="1600" dirty="0">
+              <a:solidFill>
+                <a:schemeClr val="bg1"/>
+              </a:solidFill>
+              <a:effectLst>
+                <a:outerShdw blurRad="50800" dist="38100" dir="5400000" algn="t" rotWithShape="0">
+                  <a:prstClr val="black">
+                    <a:alpha val="40000"/>
+                  </a:prstClr>
+                </a:outerShdw>
+              </a:effectLst>
+              <a:latin typeface="Segoe Print" panose="02000800000000000000" pitchFamily="2" charset="0"/>
             </a:endParaRPr>
           </a:p>
         </p:txBody>
@@ -3248,13 +3303,6 @@
   <p:clrMapOvr>
     <a:masterClrMapping/>
   </p:clrMapOvr>
-  <p:timing>
-    <p:tnLst>
-      <p:par>
-        <p:cTn id="1" dur="indefinite" restart="never" nodeType="tmRoot"/>
-      </p:par>
-    </p:tnLst>
-  </p:timing>
 </p:sld>
 </file>
 
@@ -3293,14 +3341,13 @@
           <a:lstStyle/>
           <a:p>
             <a:r>
-              <a:rPr lang="ru-RU" dirty="0" smtClean="0"/>
+              <a:rPr lang="ru-RU" dirty="0"/>
               <a:t>Клавиатурные комбинации </a:t>
             </a:r>
             <a:r>
-              <a:rPr lang="en-US" dirty="0" smtClean="0"/>
+              <a:rPr lang="en-US" dirty="0"/>
               <a:t>Windows</a:t>
             </a:r>
-            <a:endParaRPr lang="en-US" dirty="0"/>
           </a:p>
         </p:txBody>
       </p:sp>
@@ -3322,7 +3369,7 @@
           <a:lstStyle/>
           <a:p>
             <a:r>
-              <a:rPr lang="en-US" sz="2800" dirty="0" smtClean="0">
+              <a:rPr lang="en-US" sz="2800" dirty="0">
                 <a:solidFill>
                   <a:srgbClr val="92D050"/>
                 </a:solidFill>
@@ -3330,23 +3377,23 @@
               <a:t>[win 7,8]</a:t>
             </a:r>
             <a:r>
-              <a:rPr lang="en-US" sz="2800" dirty="0" smtClean="0"/>
+              <a:rPr lang="en-US" sz="2800" dirty="0"/>
               <a:t> </a:t>
             </a:r>
             <a:r>
-              <a:rPr lang="ru-RU" sz="2800" dirty="0" smtClean="0"/>
+              <a:rPr lang="ru-RU" sz="2800" dirty="0"/>
               <a:t>Панель задач</a:t>
             </a:r>
-            <a:endParaRPr lang="en-US" sz="2800" dirty="0" smtClean="0"/>
+            <a:endParaRPr lang="en-US" sz="2800" dirty="0"/>
           </a:p>
           <a:p>
             <a:pPr lvl="1"/>
             <a:r>
-              <a:rPr lang="ru-RU" sz="2400" dirty="0" smtClean="0"/>
+              <a:rPr lang="ru-RU" sz="2400" dirty="0"/>
               <a:t>Пользуйтесь возможностью </a:t>
             </a:r>
             <a:r>
-              <a:rPr lang="en-US" sz="2400" dirty="0" smtClean="0"/>
+              <a:rPr lang="en-US" sz="2400" dirty="0"/>
               <a:t>“pin to this list”</a:t>
             </a:r>
           </a:p>
@@ -3409,26 +3456,18 @@
                   <a:srgbClr val="F6AE1E"/>
                 </a:solidFill>
               </a:rPr>
-              <a:t> + n</a:t>
-            </a:r>
-            <a:r>
-              <a:rPr lang="en-US" sz="2400" dirty="0" smtClean="0">
-                <a:solidFill>
-                  <a:srgbClr val="F6AE1E"/>
-                </a:solidFill>
-              </a:rPr>
-              <a:t>)</a:t>
+              <a:t> + n)</a:t>
             </a:r>
             <a:r>
               <a:rPr lang="en-US" sz="2400" dirty="0"/>
               <a:t> </a:t>
             </a:r>
             <a:r>
-              <a:rPr lang="ru-RU" sz="2400" dirty="0" smtClean="0"/>
+              <a:rPr lang="ru-RU" sz="2400" dirty="0"/>
               <a:t>или</a:t>
             </a:r>
             <a:r>
-              <a:rPr lang="en-US" sz="2400" dirty="0" smtClean="0"/>
+              <a:rPr lang="en-US" sz="2400" dirty="0"/>
               <a:t> </a:t>
             </a:r>
             <a:r>
@@ -3519,15 +3558,7 @@
                   <a:srgbClr val="F6AE1E"/>
                 </a:solidFill>
               </a:rPr>
-              <a:t> + n</a:t>
-            </a:r>
-            <a:r>
-              <a:rPr lang="en-US" sz="2400" dirty="0" smtClean="0">
-                <a:solidFill>
-                  <a:srgbClr val="F6AE1E"/>
-                </a:solidFill>
-              </a:rPr>
-              <a:t>)</a:t>
+              <a:t> + n)</a:t>
             </a:r>
           </a:p>
           <a:p>
@@ -3544,11 +3575,11 @@
               <a:t> </a:t>
             </a:r>
             <a:r>
-              <a:rPr lang="ru-RU" dirty="0" smtClean="0"/>
+              <a:rPr lang="ru-RU" dirty="0"/>
               <a:t>Перемещение окон </a:t>
             </a:r>
             <a:r>
-              <a:rPr lang="ru-RU" dirty="0" smtClean="0">
+              <a:rPr lang="ru-RU" dirty="0">
                 <a:solidFill>
                   <a:srgbClr val="F6AE1E"/>
                 </a:solidFill>
@@ -3556,7 +3587,7 @@
               <a:t>(</a:t>
             </a:r>
             <a:r>
-              <a:rPr lang="en-US" dirty="0" smtClean="0">
+              <a:rPr lang="en-US" dirty="0">
                 <a:solidFill>
                   <a:srgbClr val="F6AE1E"/>
                 </a:solidFill>
@@ -3564,7 +3595,7 @@
               <a:t>Win + </a:t>
             </a:r>
             <a:r>
-              <a:rPr lang="ru-RU" dirty="0" smtClean="0">
+              <a:rPr lang="ru-RU" dirty="0">
                 <a:solidFill>
                   <a:srgbClr val="F6AE1E"/>
                 </a:solidFill>

--- a/Presentation/tools-windows.pptx
+++ b/Presentation/tools-windows.pptx
@@ -110,7 +110,7 @@
   </p:defaultTextStyle>
   <p:extLst>
     <p:ext uri="{EFAFB233-063F-42B5-8137-9DF3F51BA10A}">
-      <p15:sldGuideLst xmlns:p15="http://schemas.microsoft.com/office/powerpoint/2012/main">
+      <p15:sldGuideLst xmlns:p15="http://schemas.microsoft.com/office/powerpoint/2012/main" xmlns="">
         <p15:guide id="1" orient="horz" pos="2160">
           <p15:clr>
             <a:srgbClr val="A4A3A4"/>
@@ -209,7 +209,7 @@
           <a:p>
             <a:fld id="{B24A7054-7FFB-49F4-A126-5DF6E687FF53}" type="datetimeFigureOut">
               <a:rPr lang="ru-RU" smtClean="0"/>
-              <a:t>01.07.2018</a:t>
+              <a:t>22.02.2019</a:t>
             </a:fld>
             <a:endParaRPr lang="ru-RU"/>
           </a:p>
@@ -478,8 +478,8 @@
 </file>
 
 <file path=ppt/slideLayouts/slideLayout1.xml><?xml version="1.0" encoding="utf-8"?>
-<p:sldLayout xmlns:a="http://schemas.openxmlformats.org/drawingml/2006/main" xmlns:r="http://schemas.openxmlformats.org/officeDocument/2006/relationships" xmlns:p="http://schemas.openxmlformats.org/presentationml/2006/main" preserve="1" userDrawn="1">
-  <p:cSld name="Title Slide">
+<p:sldLayout xmlns:a="http://schemas.openxmlformats.org/drawingml/2006/main" xmlns:r="http://schemas.openxmlformats.org/officeDocument/2006/relationships" xmlns:p="http://schemas.openxmlformats.org/presentationml/2006/main" type="obj" preserve="1">
+  <p:cSld name="Title and Content">
     <p:spTree>
       <p:nvGrpSpPr>
         <p:cNvPr id="1" name=""/>
@@ -496,172 +496,83 @@
       </p:grpSpPr>
       <p:sp>
         <p:nvSpPr>
-          <p:cNvPr id="7" name="Rectangle 6"/>
-          <p:cNvSpPr/>
-          <p:nvPr userDrawn="1"/>
-        </p:nvSpPr>
-        <p:spPr>
-          <a:xfrm>
-            <a:off x="143508" y="1304764"/>
-            <a:ext cx="8856984" cy="646331"/>
-          </a:xfrm>
-          <a:prstGeom prst="rect">
-            <a:avLst/>
-          </a:prstGeom>
-        </p:spPr>
-        <p:txBody>
-          <a:bodyPr wrap="square">
-            <a:spAutoFit/>
-          </a:bodyPr>
+          <p:cNvPr id="2" name="Title 1"/>
+          <p:cNvSpPr>
+            <a:spLocks noGrp="1"/>
+          </p:cNvSpPr>
+          <p:nvPr>
+            <p:ph type="title"/>
+          </p:nvPr>
+        </p:nvSpPr>
+        <p:spPr/>
+        <p:txBody>
+          <a:bodyPr/>
           <a:lstStyle/>
           <a:p>
-            <a:pPr algn="ctr"/>
-            <a:r>
-              <a:rPr lang="ru-RU" sz="3600" b="1" i="1" dirty="0">
-                <a:solidFill>
-                  <a:schemeClr val="bg1"/>
-                </a:solidFill>
-              </a:rPr>
-              <a:t>Основы программирования на </a:t>
-            </a:r>
-            <a:r>
-              <a:rPr lang="en-US" sz="3600" b="1" i="1" dirty="0">
-                <a:solidFill>
-                  <a:schemeClr val="bg1"/>
-                </a:solidFill>
-              </a:rPr>
-              <a:t>C#</a:t>
-            </a:r>
-            <a:endParaRPr lang="ru-RU" sz="3600" b="1" i="1" dirty="0">
-              <a:solidFill>
-                <a:schemeClr val="bg1"/>
-              </a:solidFill>
-            </a:endParaRPr>
-          </a:p>
-        </p:txBody>
-      </p:sp>
-      <p:pic>
-        <p:nvPicPr>
-          <p:cNvPr id="8" name="Picture 5"/>
-          <p:cNvPicPr>
-            <a:picLocks noChangeAspect="1" noChangeArrowheads="1"/>
-          </p:cNvPicPr>
-          <p:nvPr userDrawn="1"/>
-        </p:nvPicPr>
-        <p:blipFill>
-          <a:blip r:embed="rId2">
-            <a:extLst>
-              <a:ext uri="{28A0092B-C50C-407E-A947-70E740481C1C}">
-                <a14:useLocalDpi xmlns:a14="http://schemas.microsoft.com/office/drawing/2010/main" val="0"/>
-              </a:ext>
-            </a:extLst>
-          </a:blip>
-          <a:srcRect/>
-          <a:stretch>
-            <a:fillRect/>
-          </a:stretch>
-        </p:blipFill>
-        <p:spPr bwMode="auto">
-          <a:xfrm>
-            <a:off x="1638300" y="3829211"/>
-            <a:ext cx="5867400" cy="1724025"/>
-          </a:xfrm>
-          <a:prstGeom prst="rect">
-            <a:avLst/>
-          </a:prstGeom>
-          <a:noFill/>
-          <a:ln>
-            <a:noFill/>
-          </a:ln>
-          <a:effectLst/>
-          <a:extLst>
-            <a:ext uri="{909E8E84-426E-40DD-AFC4-6F175D3DCCD1}">
-              <a14:hiddenFill xmlns:a14="http://schemas.microsoft.com/office/drawing/2010/main">
-                <a:solidFill>
-                  <a:schemeClr val="accent1"/>
-                </a:solidFill>
-              </a14:hiddenFill>
-            </a:ext>
-            <a:ext uri="{91240B29-F687-4F45-9708-019B960494DF}">
-              <a14:hiddenLine xmlns:a14="http://schemas.microsoft.com/office/drawing/2010/main" w="9525">
-                <a:solidFill>
-                  <a:schemeClr val="tx1"/>
-                </a:solidFill>
-                <a:miter lim="800000"/>
-                <a:headEnd/>
-                <a:tailEnd/>
-              </a14:hiddenLine>
-            </a:ext>
-            <a:ext uri="{AF507438-7753-43E0-B8FC-AC1667EBCBE1}">
-              <a14:hiddenEffects xmlns:a14="http://schemas.microsoft.com/office/drawing/2010/main">
-                <a:effectLst>
-                  <a:outerShdw dist="35921" dir="2700000" algn="ctr" rotWithShape="0">
-                    <a:schemeClr val="bg2"/>
-                  </a:outerShdw>
-                </a:effectLst>
-              </a14:hiddenEffects>
-            </a:ext>
-          </a:extLst>
-        </p:spPr>
-      </p:pic>
-      <p:sp>
-        <p:nvSpPr>
-          <p:cNvPr id="9" name="TextBox 8"/>
-          <p:cNvSpPr txBox="1"/>
-          <p:nvPr userDrawn="1"/>
-        </p:nvSpPr>
-        <p:spPr>
-          <a:xfrm>
-            <a:off x="2774873" y="2528900"/>
-            <a:ext cx="4240263" cy="461665"/>
-          </a:xfrm>
-          <a:prstGeom prst="rect">
-            <a:avLst/>
-          </a:prstGeom>
-          <a:noFill/>
-        </p:spPr>
-        <p:txBody>
-          <a:bodyPr wrap="none" rtlCol="0">
-            <a:spAutoFit/>
-          </a:bodyPr>
+            <a:r>
+              <a:rPr lang="en-US"/>
+              <a:t>Click to edit Master title style</a:t>
+            </a:r>
+            <a:endParaRPr lang="ru-RU" dirty="0"/>
+          </a:p>
+        </p:txBody>
+      </p:sp>
+      <p:sp>
+        <p:nvSpPr>
+          <p:cNvPr id="3" name="Content Placeholder 2"/>
+          <p:cNvSpPr>
+            <a:spLocks noGrp="1"/>
+          </p:cNvSpPr>
+          <p:nvPr>
+            <p:ph idx="1"/>
+          </p:nvPr>
+        </p:nvSpPr>
+        <p:spPr/>
+        <p:txBody>
+          <a:bodyPr/>
           <a:lstStyle/>
           <a:p>
-            <a:r>
-              <a:rPr lang="ru-RU" sz="2400" dirty="0">
-                <a:solidFill>
-                  <a:schemeClr val="bg1"/>
-                </a:solidFill>
-              </a:rPr>
-              <a:t>Занятие №</a:t>
-            </a:r>
-            <a:r>
-              <a:rPr lang="en-US" sz="2400" dirty="0">
-                <a:solidFill>
-                  <a:schemeClr val="bg1"/>
-                </a:solidFill>
-              </a:rPr>
-              <a:t>?</a:t>
-            </a:r>
-            <a:r>
-              <a:rPr lang="ru-RU" sz="2400" dirty="0">
-                <a:solidFill>
-                  <a:schemeClr val="bg1"/>
-                </a:solidFill>
-              </a:rPr>
-              <a:t>. Название занятия</a:t>
-            </a:r>
-            <a:endParaRPr lang="en-US" sz="2400" dirty="0">
-              <a:solidFill>
-                <a:schemeClr val="bg1"/>
-              </a:solidFill>
-            </a:endParaRPr>
+            <a:pPr lvl="0"/>
+            <a:r>
+              <a:rPr lang="en-US"/>
+              <a:t>Click to edit Master text styles</a:t>
+            </a:r>
+          </a:p>
+          <a:p>
+            <a:pPr lvl="1"/>
+            <a:r>
+              <a:rPr lang="en-US"/>
+              <a:t>Second level</a:t>
+            </a:r>
+          </a:p>
+          <a:p>
+            <a:pPr lvl="2"/>
+            <a:r>
+              <a:rPr lang="en-US"/>
+              <a:t>Third level</a:t>
+            </a:r>
+          </a:p>
+          <a:p>
+            <a:pPr lvl="3"/>
+            <a:r>
+              <a:rPr lang="en-US"/>
+              <a:t>Fourth level</a:t>
+            </a:r>
+          </a:p>
+          <a:p>
+            <a:pPr lvl="4"/>
+            <a:r>
+              <a:rPr lang="en-US"/>
+              <a:t>Fifth level</a:t>
+            </a:r>
+            <a:endParaRPr lang="ru-RU" dirty="0"/>
           </a:p>
         </p:txBody>
       </p:sp>
     </p:spTree>
     <p:extLst>
       <p:ext uri="{BB962C8B-B14F-4D97-AF65-F5344CB8AC3E}">
-        <p14:creationId xmlns:p14="http://schemas.microsoft.com/office/powerpoint/2010/main" val="2062725571"/>
+        <p14:creationId xmlns:p14="http://schemas.microsoft.com/office/powerpoint/2010/main" val="3363467697"/>
       </p:ext>
     </p:extLst>
   </p:cSld>
@@ -672,198 +583,6 @@
 </file>
 
 <file path=ppt/slideLayouts/slideLayout10.xml><?xml version="1.0" encoding="utf-8"?>
-<p:sldLayout xmlns:a="http://schemas.openxmlformats.org/drawingml/2006/main" xmlns:r="http://schemas.openxmlformats.org/officeDocument/2006/relationships" xmlns:p="http://schemas.openxmlformats.org/presentationml/2006/main" type="picTx" preserve="1">
-  <p:cSld name="Picture with Caption">
-    <p:spTree>
-      <p:nvGrpSpPr>
-        <p:cNvPr id="1" name=""/>
-        <p:cNvGrpSpPr/>
-        <p:nvPr/>
-      </p:nvGrpSpPr>
-      <p:grpSpPr>
-        <a:xfrm>
-          <a:off x="0" y="0"/>
-          <a:ext cx="0" cy="0"/>
-          <a:chOff x="0" y="0"/>
-          <a:chExt cx="0" cy="0"/>
-        </a:xfrm>
-      </p:grpSpPr>
-      <p:sp>
-        <p:nvSpPr>
-          <p:cNvPr id="2" name="Title 1"/>
-          <p:cNvSpPr>
-            <a:spLocks noGrp="1"/>
-          </p:cNvSpPr>
-          <p:nvPr>
-            <p:ph type="title"/>
-          </p:nvPr>
-        </p:nvSpPr>
-        <p:spPr>
-          <a:xfrm>
-            <a:off x="1792288" y="4800600"/>
-            <a:ext cx="5486400" cy="566738"/>
-          </a:xfrm>
-        </p:spPr>
-        <p:txBody>
-          <a:bodyPr anchor="b"/>
-          <a:lstStyle>
-            <a:lvl1pPr algn="l">
-              <a:defRPr sz="2000" b="1"/>
-            </a:lvl1pPr>
-          </a:lstStyle>
-          <a:p>
-            <a:r>
-              <a:rPr lang="en-US"/>
-              <a:t>Click to edit Master title style</a:t>
-            </a:r>
-            <a:endParaRPr lang="ru-RU" dirty="0"/>
-          </a:p>
-        </p:txBody>
-      </p:sp>
-      <p:sp>
-        <p:nvSpPr>
-          <p:cNvPr id="3" name="Picture Placeholder 2"/>
-          <p:cNvSpPr>
-            <a:spLocks noGrp="1"/>
-          </p:cNvSpPr>
-          <p:nvPr>
-            <p:ph type="pic" idx="1"/>
-          </p:nvPr>
-        </p:nvSpPr>
-        <p:spPr>
-          <a:xfrm>
-            <a:off x="1792288" y="612775"/>
-            <a:ext cx="5486400" cy="4114800"/>
-          </a:xfrm>
-        </p:spPr>
-        <p:txBody>
-          <a:bodyPr/>
-          <a:lstStyle>
-            <a:lvl1pPr marL="0" indent="0">
-              <a:buNone/>
-              <a:defRPr sz="3200"/>
-            </a:lvl1pPr>
-            <a:lvl2pPr marL="457200" indent="0">
-              <a:buNone/>
-              <a:defRPr sz="2800"/>
-            </a:lvl2pPr>
-            <a:lvl3pPr marL="914400" indent="0">
-              <a:buNone/>
-              <a:defRPr sz="2400"/>
-            </a:lvl3pPr>
-            <a:lvl4pPr marL="1371600" indent="0">
-              <a:buNone/>
-              <a:defRPr sz="2000"/>
-            </a:lvl4pPr>
-            <a:lvl5pPr marL="1828800" indent="0">
-              <a:buNone/>
-              <a:defRPr sz="2000"/>
-            </a:lvl5pPr>
-            <a:lvl6pPr marL="2286000" indent="0">
-              <a:buNone/>
-              <a:defRPr sz="2000"/>
-            </a:lvl6pPr>
-            <a:lvl7pPr marL="2743200" indent="0">
-              <a:buNone/>
-              <a:defRPr sz="2000"/>
-            </a:lvl7pPr>
-            <a:lvl8pPr marL="3200400" indent="0">
-              <a:buNone/>
-              <a:defRPr sz="2000"/>
-            </a:lvl8pPr>
-            <a:lvl9pPr marL="3657600" indent="0">
-              <a:buNone/>
-              <a:defRPr sz="2000"/>
-            </a:lvl9pPr>
-          </a:lstStyle>
-          <a:p>
-            <a:r>
-              <a:rPr lang="en-US"/>
-              <a:t>Click icon to add picture</a:t>
-            </a:r>
-            <a:endParaRPr lang="ru-RU"/>
-          </a:p>
-        </p:txBody>
-      </p:sp>
-      <p:sp>
-        <p:nvSpPr>
-          <p:cNvPr id="4" name="Text Placeholder 3"/>
-          <p:cNvSpPr>
-            <a:spLocks noGrp="1"/>
-          </p:cNvSpPr>
-          <p:nvPr>
-            <p:ph type="body" sz="half" idx="2"/>
-          </p:nvPr>
-        </p:nvSpPr>
-        <p:spPr>
-          <a:xfrm>
-            <a:off x="1792288" y="5367338"/>
-            <a:ext cx="5486400" cy="804862"/>
-          </a:xfrm>
-        </p:spPr>
-        <p:txBody>
-          <a:bodyPr/>
-          <a:lstStyle>
-            <a:lvl1pPr marL="0" indent="0">
-              <a:buNone/>
-              <a:defRPr sz="1400"/>
-            </a:lvl1pPr>
-            <a:lvl2pPr marL="457200" indent="0">
-              <a:buNone/>
-              <a:defRPr sz="1200"/>
-            </a:lvl2pPr>
-            <a:lvl3pPr marL="914400" indent="0">
-              <a:buNone/>
-              <a:defRPr sz="1000"/>
-            </a:lvl3pPr>
-            <a:lvl4pPr marL="1371600" indent="0">
-              <a:buNone/>
-              <a:defRPr sz="900"/>
-            </a:lvl4pPr>
-            <a:lvl5pPr marL="1828800" indent="0">
-              <a:buNone/>
-              <a:defRPr sz="900"/>
-            </a:lvl5pPr>
-            <a:lvl6pPr marL="2286000" indent="0">
-              <a:buNone/>
-              <a:defRPr sz="900"/>
-            </a:lvl6pPr>
-            <a:lvl7pPr marL="2743200" indent="0">
-              <a:buNone/>
-              <a:defRPr sz="900"/>
-            </a:lvl7pPr>
-            <a:lvl8pPr marL="3200400" indent="0">
-              <a:buNone/>
-              <a:defRPr sz="900"/>
-            </a:lvl8pPr>
-            <a:lvl9pPr marL="3657600" indent="0">
-              <a:buNone/>
-              <a:defRPr sz="900"/>
-            </a:lvl9pPr>
-          </a:lstStyle>
-          <a:p>
-            <a:pPr lvl="0"/>
-            <a:r>
-              <a:rPr lang="en-US"/>
-              <a:t>Click to edit Master text styles</a:t>
-            </a:r>
-          </a:p>
-        </p:txBody>
-      </p:sp>
-    </p:spTree>
-    <p:extLst>
-      <p:ext uri="{BB962C8B-B14F-4D97-AF65-F5344CB8AC3E}">
-        <p14:creationId xmlns:p14="http://schemas.microsoft.com/office/powerpoint/2010/main" val="2103675460"/>
-      </p:ext>
-    </p:extLst>
-  </p:cSld>
-  <p:clrMapOvr>
-    <a:masterClrMapping/>
-  </p:clrMapOvr>
-</p:sldLayout>
-</file>
-
-<file path=ppt/slideLayouts/slideLayout11.xml><?xml version="1.0" encoding="utf-8"?>
 <p:sldLayout xmlns:a="http://schemas.openxmlformats.org/drawingml/2006/main" xmlns:r="http://schemas.openxmlformats.org/officeDocument/2006/relationships" xmlns:p="http://schemas.openxmlformats.org/presentationml/2006/main" type="vertTx" preserve="1">
   <p:cSld name="Title and Vertical Text">
     <p:spTree>
@@ -968,7 +687,7 @@
 </p:sldLayout>
 </file>
 
-<file path=ppt/slideLayouts/slideLayout12.xml><?xml version="1.0" encoding="utf-8"?>
+<file path=ppt/slideLayouts/slideLayout11.xml><?xml version="1.0" encoding="utf-8"?>
 <p:sldLayout xmlns:a="http://schemas.openxmlformats.org/drawingml/2006/main" xmlns:r="http://schemas.openxmlformats.org/officeDocument/2006/relationships" xmlns:p="http://schemas.openxmlformats.org/presentationml/2006/main" type="vertTitleAndTx" preserve="1">
   <p:cSld name="Vertical Title and Text">
     <p:spTree>
@@ -1083,7 +802,7 @@
 </p:sldLayout>
 </file>
 
-<file path=ppt/slideLayouts/slideLayout13.xml><?xml version="1.0" encoding="utf-8"?>
+<file path=ppt/slideLayouts/slideLayout12.xml><?xml version="1.0" encoding="utf-8"?>
 <p:sldLayout xmlns:a="http://schemas.openxmlformats.org/drawingml/2006/main" xmlns:r="http://schemas.openxmlformats.org/officeDocument/2006/relationships" xmlns:p="http://schemas.openxmlformats.org/presentationml/2006/main" type="title">
   <p:cSld name="2_Title Slide">
     <p:spTree>
@@ -1264,7 +983,7 @@
           <a:p>
             <a:fld id="{8E6E6A2A-E9D3-4A0D-B04A-ABDD367A1E08}" type="datetimeFigureOut">
               <a:rPr lang="ru-RU" smtClean="0"/>
-              <a:t>01.07.2018</a:t>
+              <a:t>22.02.2019</a:t>
             </a:fld>
             <a:endParaRPr lang="ru-RU"/>
           </a:p>
@@ -1326,111 +1045,6 @@
 </file>
 
 <file path=ppt/slideLayouts/slideLayout2.xml><?xml version="1.0" encoding="utf-8"?>
-<p:sldLayout xmlns:a="http://schemas.openxmlformats.org/drawingml/2006/main" xmlns:r="http://schemas.openxmlformats.org/officeDocument/2006/relationships" xmlns:p="http://schemas.openxmlformats.org/presentationml/2006/main" type="obj" preserve="1">
-  <p:cSld name="Title and Content">
-    <p:spTree>
-      <p:nvGrpSpPr>
-        <p:cNvPr id="1" name=""/>
-        <p:cNvGrpSpPr/>
-        <p:nvPr/>
-      </p:nvGrpSpPr>
-      <p:grpSpPr>
-        <a:xfrm>
-          <a:off x="0" y="0"/>
-          <a:ext cx="0" cy="0"/>
-          <a:chOff x="0" y="0"/>
-          <a:chExt cx="0" cy="0"/>
-        </a:xfrm>
-      </p:grpSpPr>
-      <p:sp>
-        <p:nvSpPr>
-          <p:cNvPr id="2" name="Title 1"/>
-          <p:cNvSpPr>
-            <a:spLocks noGrp="1"/>
-          </p:cNvSpPr>
-          <p:nvPr>
-            <p:ph type="title"/>
-          </p:nvPr>
-        </p:nvSpPr>
-        <p:spPr/>
-        <p:txBody>
-          <a:bodyPr/>
-          <a:lstStyle/>
-          <a:p>
-            <a:r>
-              <a:rPr lang="en-US"/>
-              <a:t>Click to edit Master title style</a:t>
-            </a:r>
-            <a:endParaRPr lang="ru-RU" dirty="0"/>
-          </a:p>
-        </p:txBody>
-      </p:sp>
-      <p:sp>
-        <p:nvSpPr>
-          <p:cNvPr id="3" name="Content Placeholder 2"/>
-          <p:cNvSpPr>
-            <a:spLocks noGrp="1"/>
-          </p:cNvSpPr>
-          <p:nvPr>
-            <p:ph idx="1"/>
-          </p:nvPr>
-        </p:nvSpPr>
-        <p:spPr/>
-        <p:txBody>
-          <a:bodyPr/>
-          <a:lstStyle/>
-          <a:p>
-            <a:pPr lvl="0"/>
-            <a:r>
-              <a:rPr lang="en-US"/>
-              <a:t>Click to edit Master text styles</a:t>
-            </a:r>
-          </a:p>
-          <a:p>
-            <a:pPr lvl="1"/>
-            <a:r>
-              <a:rPr lang="en-US"/>
-              <a:t>Second level</a:t>
-            </a:r>
-          </a:p>
-          <a:p>
-            <a:pPr lvl="2"/>
-            <a:r>
-              <a:rPr lang="en-US"/>
-              <a:t>Third level</a:t>
-            </a:r>
-          </a:p>
-          <a:p>
-            <a:pPr lvl="3"/>
-            <a:r>
-              <a:rPr lang="en-US"/>
-              <a:t>Fourth level</a:t>
-            </a:r>
-          </a:p>
-          <a:p>
-            <a:pPr lvl="4"/>
-            <a:r>
-              <a:rPr lang="en-US"/>
-              <a:t>Fifth level</a:t>
-            </a:r>
-            <a:endParaRPr lang="ru-RU" dirty="0"/>
-          </a:p>
-        </p:txBody>
-      </p:sp>
-    </p:spTree>
-    <p:extLst>
-      <p:ext uri="{BB962C8B-B14F-4D97-AF65-F5344CB8AC3E}">
-        <p14:creationId xmlns:p14="http://schemas.microsoft.com/office/powerpoint/2010/main" val="3363467697"/>
-      </p:ext>
-    </p:extLst>
-  </p:cSld>
-  <p:clrMapOvr>
-    <a:masterClrMapping/>
-  </p:clrMapOvr>
-</p:sldLayout>
-</file>
-
-<file path=ppt/slideLayouts/slideLayout3.xml><?xml version="1.0" encoding="utf-8"?>
 <p:sldLayout xmlns:a="http://schemas.openxmlformats.org/drawingml/2006/main" xmlns:r="http://schemas.openxmlformats.org/officeDocument/2006/relationships" xmlns:p="http://schemas.openxmlformats.org/presentationml/2006/main" type="secHead" preserve="1">
   <p:cSld name="Section Header">
     <p:spTree>
@@ -1611,7 +1225,7 @@
 </p:sldLayout>
 </file>
 
-<file path=ppt/slideLayouts/slideLayout4.xml><?xml version="1.0" encoding="utf-8"?>
+<file path=ppt/slideLayouts/slideLayout3.xml><?xml version="1.0" encoding="utf-8"?>
 <p:sldLayout xmlns:a="http://schemas.openxmlformats.org/drawingml/2006/main" xmlns:r="http://schemas.openxmlformats.org/officeDocument/2006/relationships" xmlns:p="http://schemas.openxmlformats.org/presentationml/2006/main" type="twoObj" preserve="1">
   <p:cSld name="Two Content">
     <p:spTree>
@@ -1834,7 +1448,7 @@
 </p:sldLayout>
 </file>
 
-<file path=ppt/slideLayouts/slideLayout5.xml><?xml version="1.0" encoding="utf-8"?>
+<file path=ppt/slideLayouts/slideLayout4.xml><?xml version="1.0" encoding="utf-8"?>
 <p:sldLayout xmlns:a="http://schemas.openxmlformats.org/drawingml/2006/main" xmlns:r="http://schemas.openxmlformats.org/officeDocument/2006/relationships" xmlns:p="http://schemas.openxmlformats.org/presentationml/2006/main" type="twoTxTwoObj" preserve="1">
   <p:cSld name="Comparison">
     <p:spTree>
@@ -2191,7 +1805,7 @@
 </p:sldLayout>
 </file>
 
-<file path=ppt/slideLayouts/slideLayout6.xml><?xml version="1.0" encoding="utf-8"?>
+<file path=ppt/slideLayouts/slideLayout5.xml><?xml version="1.0" encoding="utf-8"?>
 <p:sldLayout xmlns:a="http://schemas.openxmlformats.org/drawingml/2006/main" xmlns:r="http://schemas.openxmlformats.org/officeDocument/2006/relationships" xmlns:p="http://schemas.openxmlformats.org/presentationml/2006/main" type="titleOnly" preserve="1">
   <p:cSld name="Title Only">
     <p:spTree>
@@ -2244,7 +1858,7 @@
 </p:sldLayout>
 </file>
 
-<file path=ppt/slideLayouts/slideLayout7.xml><?xml version="1.0" encoding="utf-8"?>
+<file path=ppt/slideLayouts/slideLayout6.xml><?xml version="1.0" encoding="utf-8"?>
 <p:sldLayout xmlns:a="http://schemas.openxmlformats.org/drawingml/2006/main" xmlns:r="http://schemas.openxmlformats.org/officeDocument/2006/relationships" xmlns:p="http://schemas.openxmlformats.org/presentationml/2006/main" preserve="1" userDrawn="1">
   <p:cSld name="Demo">
     <p:spTree>
@@ -2309,7 +1923,7 @@
 </p:sldLayout>
 </file>
 
-<file path=ppt/slideLayouts/slideLayout8.xml><?xml version="1.0" encoding="utf-8"?>
+<file path=ppt/slideLayouts/slideLayout7.xml><?xml version="1.0" encoding="utf-8"?>
 <p:sldLayout xmlns:a="http://schemas.openxmlformats.org/drawingml/2006/main" xmlns:r="http://schemas.openxmlformats.org/officeDocument/2006/relationships" xmlns:p="http://schemas.openxmlformats.org/presentationml/2006/main" type="blank" preserve="1">
   <p:cSld name="1_Blank">
     <p:spTree>
@@ -2339,7 +1953,7 @@
 </p:sldLayout>
 </file>
 
-<file path=ppt/slideLayouts/slideLayout9.xml><?xml version="1.0" encoding="utf-8"?>
+<file path=ppt/slideLayouts/slideLayout8.xml><?xml version="1.0" encoding="utf-8"?>
 <p:sldLayout xmlns:a="http://schemas.openxmlformats.org/drawingml/2006/main" xmlns:r="http://schemas.openxmlformats.org/officeDocument/2006/relationships" xmlns:p="http://schemas.openxmlformats.org/presentationml/2006/main" type="objTx" preserve="1">
   <p:cSld name="Content with Caption">
     <p:spTree>
@@ -2551,13 +2165,205 @@
 </p:sldLayout>
 </file>
 
+<file path=ppt/slideLayouts/slideLayout9.xml><?xml version="1.0" encoding="utf-8"?>
+<p:sldLayout xmlns:a="http://schemas.openxmlformats.org/drawingml/2006/main" xmlns:r="http://schemas.openxmlformats.org/officeDocument/2006/relationships" xmlns:p="http://schemas.openxmlformats.org/presentationml/2006/main" type="picTx" preserve="1">
+  <p:cSld name="Picture with Caption">
+    <p:spTree>
+      <p:nvGrpSpPr>
+        <p:cNvPr id="1" name=""/>
+        <p:cNvGrpSpPr/>
+        <p:nvPr/>
+      </p:nvGrpSpPr>
+      <p:grpSpPr>
+        <a:xfrm>
+          <a:off x="0" y="0"/>
+          <a:ext cx="0" cy="0"/>
+          <a:chOff x="0" y="0"/>
+          <a:chExt cx="0" cy="0"/>
+        </a:xfrm>
+      </p:grpSpPr>
+      <p:sp>
+        <p:nvSpPr>
+          <p:cNvPr id="2" name="Title 1"/>
+          <p:cNvSpPr>
+            <a:spLocks noGrp="1"/>
+          </p:cNvSpPr>
+          <p:nvPr>
+            <p:ph type="title"/>
+          </p:nvPr>
+        </p:nvSpPr>
+        <p:spPr>
+          <a:xfrm>
+            <a:off x="1792288" y="4800600"/>
+            <a:ext cx="5486400" cy="566738"/>
+          </a:xfrm>
+        </p:spPr>
+        <p:txBody>
+          <a:bodyPr anchor="b"/>
+          <a:lstStyle>
+            <a:lvl1pPr algn="l">
+              <a:defRPr sz="2000" b="1"/>
+            </a:lvl1pPr>
+          </a:lstStyle>
+          <a:p>
+            <a:r>
+              <a:rPr lang="en-US"/>
+              <a:t>Click to edit Master title style</a:t>
+            </a:r>
+            <a:endParaRPr lang="ru-RU" dirty="0"/>
+          </a:p>
+        </p:txBody>
+      </p:sp>
+      <p:sp>
+        <p:nvSpPr>
+          <p:cNvPr id="3" name="Picture Placeholder 2"/>
+          <p:cNvSpPr>
+            <a:spLocks noGrp="1"/>
+          </p:cNvSpPr>
+          <p:nvPr>
+            <p:ph type="pic" idx="1"/>
+          </p:nvPr>
+        </p:nvSpPr>
+        <p:spPr>
+          <a:xfrm>
+            <a:off x="1792288" y="612775"/>
+            <a:ext cx="5486400" cy="4114800"/>
+          </a:xfrm>
+        </p:spPr>
+        <p:txBody>
+          <a:bodyPr/>
+          <a:lstStyle>
+            <a:lvl1pPr marL="0" indent="0">
+              <a:buNone/>
+              <a:defRPr sz="3200"/>
+            </a:lvl1pPr>
+            <a:lvl2pPr marL="457200" indent="0">
+              <a:buNone/>
+              <a:defRPr sz="2800"/>
+            </a:lvl2pPr>
+            <a:lvl3pPr marL="914400" indent="0">
+              <a:buNone/>
+              <a:defRPr sz="2400"/>
+            </a:lvl3pPr>
+            <a:lvl4pPr marL="1371600" indent="0">
+              <a:buNone/>
+              <a:defRPr sz="2000"/>
+            </a:lvl4pPr>
+            <a:lvl5pPr marL="1828800" indent="0">
+              <a:buNone/>
+              <a:defRPr sz="2000"/>
+            </a:lvl5pPr>
+            <a:lvl6pPr marL="2286000" indent="0">
+              <a:buNone/>
+              <a:defRPr sz="2000"/>
+            </a:lvl6pPr>
+            <a:lvl7pPr marL="2743200" indent="0">
+              <a:buNone/>
+              <a:defRPr sz="2000"/>
+            </a:lvl7pPr>
+            <a:lvl8pPr marL="3200400" indent="0">
+              <a:buNone/>
+              <a:defRPr sz="2000"/>
+            </a:lvl8pPr>
+            <a:lvl9pPr marL="3657600" indent="0">
+              <a:buNone/>
+              <a:defRPr sz="2000"/>
+            </a:lvl9pPr>
+          </a:lstStyle>
+          <a:p>
+            <a:r>
+              <a:rPr lang="en-US"/>
+              <a:t>Click icon to add picture</a:t>
+            </a:r>
+            <a:endParaRPr lang="ru-RU"/>
+          </a:p>
+        </p:txBody>
+      </p:sp>
+      <p:sp>
+        <p:nvSpPr>
+          <p:cNvPr id="4" name="Text Placeholder 3"/>
+          <p:cNvSpPr>
+            <a:spLocks noGrp="1"/>
+          </p:cNvSpPr>
+          <p:nvPr>
+            <p:ph type="body" sz="half" idx="2"/>
+          </p:nvPr>
+        </p:nvSpPr>
+        <p:spPr>
+          <a:xfrm>
+            <a:off x="1792288" y="5367338"/>
+            <a:ext cx="5486400" cy="804862"/>
+          </a:xfrm>
+        </p:spPr>
+        <p:txBody>
+          <a:bodyPr/>
+          <a:lstStyle>
+            <a:lvl1pPr marL="0" indent="0">
+              <a:buNone/>
+              <a:defRPr sz="1400"/>
+            </a:lvl1pPr>
+            <a:lvl2pPr marL="457200" indent="0">
+              <a:buNone/>
+              <a:defRPr sz="1200"/>
+            </a:lvl2pPr>
+            <a:lvl3pPr marL="914400" indent="0">
+              <a:buNone/>
+              <a:defRPr sz="1000"/>
+            </a:lvl3pPr>
+            <a:lvl4pPr marL="1371600" indent="0">
+              <a:buNone/>
+              <a:defRPr sz="900"/>
+            </a:lvl4pPr>
+            <a:lvl5pPr marL="1828800" indent="0">
+              <a:buNone/>
+              <a:defRPr sz="900"/>
+            </a:lvl5pPr>
+            <a:lvl6pPr marL="2286000" indent="0">
+              <a:buNone/>
+              <a:defRPr sz="900"/>
+            </a:lvl6pPr>
+            <a:lvl7pPr marL="2743200" indent="0">
+              <a:buNone/>
+              <a:defRPr sz="900"/>
+            </a:lvl7pPr>
+            <a:lvl8pPr marL="3200400" indent="0">
+              <a:buNone/>
+              <a:defRPr sz="900"/>
+            </a:lvl8pPr>
+            <a:lvl9pPr marL="3657600" indent="0">
+              <a:buNone/>
+              <a:defRPr sz="900"/>
+            </a:lvl9pPr>
+          </a:lstStyle>
+          <a:p>
+            <a:pPr lvl="0"/>
+            <a:r>
+              <a:rPr lang="en-US"/>
+              <a:t>Click to edit Master text styles</a:t>
+            </a:r>
+          </a:p>
+        </p:txBody>
+      </p:sp>
+    </p:spTree>
+    <p:extLst>
+      <p:ext uri="{BB962C8B-B14F-4D97-AF65-F5344CB8AC3E}">
+        <p14:creationId xmlns:p14="http://schemas.microsoft.com/office/powerpoint/2010/main" val="2103675460"/>
+      </p:ext>
+    </p:extLst>
+  </p:cSld>
+  <p:clrMapOvr>
+    <a:masterClrMapping/>
+  </p:clrMapOvr>
+</p:sldLayout>
+</file>
+
 <file path=ppt/slideMasters/slideMaster1.xml><?xml version="1.0" encoding="utf-8"?>
 <p:sldMaster xmlns:a="http://schemas.openxmlformats.org/drawingml/2006/main" xmlns:r="http://schemas.openxmlformats.org/officeDocument/2006/relationships" xmlns:p="http://schemas.openxmlformats.org/presentationml/2006/main">
   <p:cSld>
     <p:bg>
       <p:bgPr>
         <a:blipFill dpi="0" rotWithShape="1">
-          <a:blip r:embed="rId15">
+          <a:blip r:embed="rId14">
             <a:lum/>
           </a:blip>
           <a:srcRect/>
@@ -2712,7 +2518,7 @@
           <a:p>
             <a:fld id="{AC3D3127-B7C4-45E3-9797-C527EC9FDD78}" type="datetimeFigureOut">
               <a:rPr lang="ru-RU" smtClean="0"/>
-              <a:t>01.07.2018</a:t>
+              <a:t>22.02.2019</a:t>
             </a:fld>
             <a:endParaRPr lang="ru-RU"/>
           </a:p>
@@ -2805,19 +2611,18 @@
   </p:cSld>
   <p:clrMap bg1="lt1" tx1="dk1" bg2="lt2" tx2="dk2" accent1="accent1" accent2="accent2" accent3="accent3" accent4="accent4" accent5="accent5" accent6="accent6" hlink="hlink" folHlink="folHlink"/>
   <p:sldLayoutIdLst>
-    <p:sldLayoutId id="2147483649" r:id="rId1"/>
-    <p:sldLayoutId id="2147483650" r:id="rId2"/>
-    <p:sldLayoutId id="2147483651" r:id="rId3"/>
-    <p:sldLayoutId id="2147483652" r:id="rId4"/>
-    <p:sldLayoutId id="2147483653" r:id="rId5"/>
-    <p:sldLayoutId id="2147483654" r:id="rId6"/>
-    <p:sldLayoutId id="2147483655" r:id="rId7"/>
-    <p:sldLayoutId id="2147483660" r:id="rId8"/>
-    <p:sldLayoutId id="2147483656" r:id="rId9"/>
-    <p:sldLayoutId id="2147483657" r:id="rId10"/>
-    <p:sldLayoutId id="2147483658" r:id="rId11"/>
-    <p:sldLayoutId id="2147483659" r:id="rId12"/>
-    <p:sldLayoutId id="2147483661" r:id="rId13"/>
+    <p:sldLayoutId id="2147483650" r:id="rId1"/>
+    <p:sldLayoutId id="2147483651" r:id="rId2"/>
+    <p:sldLayoutId id="2147483652" r:id="rId3"/>
+    <p:sldLayoutId id="2147483653" r:id="rId4"/>
+    <p:sldLayoutId id="2147483654" r:id="rId5"/>
+    <p:sldLayoutId id="2147483655" r:id="rId6"/>
+    <p:sldLayoutId id="2147483660" r:id="rId7"/>
+    <p:sldLayoutId id="2147483656" r:id="rId8"/>
+    <p:sldLayoutId id="2147483657" r:id="rId9"/>
+    <p:sldLayoutId id="2147483658" r:id="rId10"/>
+    <p:sldLayoutId id="2147483659" r:id="rId11"/>
+    <p:sldLayoutId id="2147483661" r:id="rId12"/>
   </p:sldLayoutIdLst>
   <p:txStyles>
     <p:titleStyle>
@@ -3184,7 +2989,7 @@
           <p:cNvPr id="8" name="TextBox 7">
             <a:extLst>
               <a:ext uri="{FF2B5EF4-FFF2-40B4-BE49-F238E27FC236}">
-                <a16:creationId xmlns:a16="http://schemas.microsoft.com/office/drawing/2014/main" id="{34A6E01B-439A-6D4C-8848-6E7AC7BBF926}"/>
+                <a16:creationId xmlns:a16="http://schemas.microsoft.com/office/drawing/2014/main" xmlns="" id="{34A6E01B-439A-6D4C-8848-6E7AC7BBF926}"/>
               </a:ext>
             </a:extLst>
           </p:cNvPr>
